--- a/presentation/Final_Presentation.pptx
+++ b/presentation/Final_Presentation.pptx
@@ -24,22 +24,24 @@
     <p:sldId id="275" r:id="rId18"/>
     <p:sldId id="276" r:id="rId19"/>
     <p:sldId id="277" r:id="rId20"/>
-    <p:sldId id="280" r:id="rId21"/>
-    <p:sldId id="281" r:id="rId22"/>
-    <p:sldId id="283" r:id="rId23"/>
-    <p:sldId id="294" r:id="rId24"/>
-    <p:sldId id="310" r:id="rId25"/>
-    <p:sldId id="296" r:id="rId26"/>
-    <p:sldId id="299" r:id="rId27"/>
-    <p:sldId id="298" r:id="rId28"/>
-    <p:sldId id="301" r:id="rId29"/>
-    <p:sldId id="302" r:id="rId30"/>
-    <p:sldId id="306" r:id="rId31"/>
-    <p:sldId id="304" r:id="rId32"/>
-    <p:sldId id="305" r:id="rId33"/>
-    <p:sldId id="286" r:id="rId34"/>
-    <p:sldId id="288" r:id="rId35"/>
-    <p:sldId id="309" r:id="rId36"/>
+    <p:sldId id="313" r:id="rId21"/>
+    <p:sldId id="280" r:id="rId22"/>
+    <p:sldId id="312" r:id="rId23"/>
+    <p:sldId id="281" r:id="rId24"/>
+    <p:sldId id="283" r:id="rId25"/>
+    <p:sldId id="294" r:id="rId26"/>
+    <p:sldId id="310" r:id="rId27"/>
+    <p:sldId id="296" r:id="rId28"/>
+    <p:sldId id="299" r:id="rId29"/>
+    <p:sldId id="298" r:id="rId30"/>
+    <p:sldId id="301" r:id="rId31"/>
+    <p:sldId id="302" r:id="rId32"/>
+    <p:sldId id="306" r:id="rId33"/>
+    <p:sldId id="304" r:id="rId34"/>
+    <p:sldId id="305" r:id="rId35"/>
+    <p:sldId id="286" r:id="rId36"/>
+    <p:sldId id="288" r:id="rId37"/>
+    <p:sldId id="309" r:id="rId38"/>
   </p:sldIdLst>
   <p:sldSz cx="12192000" cy="6858000"/>
   <p:notesSz cx="6858000" cy="9144000"/>
@@ -10637,6 +10639,342 @@
         </p:spPr>
         <p:txBody>
           <a:bodyPr>
+            <a:normAutofit fontScale="90000"/>
+          </a:bodyPr>
+          <a:lstStyle/>
+          <a:p>
+            <a:r>
+              <a:rPr lang="en-US" sz="2500" b="1" dirty="0" smtClean="0">
+                <a:solidFill>
+                  <a:schemeClr val="accent2"/>
+                </a:solidFill>
+                <a:ea typeface="+mj-lt"/>
+                <a:cs typeface="+mj-lt"/>
+              </a:rPr>
+              <a:t>"</a:t>
+            </a:r>
+            <a:r>
+              <a:rPr lang="en-GB" sz="2800" dirty="0">
+                <a:solidFill>
+                  <a:schemeClr val="accent2"/>
+                </a:solidFill>
+              </a:rPr>
+              <a:t> Single Document Automatic Text Summarization Using Term Frequency-Inverse Document Frequency (TF-IDF</a:t>
+            </a:r>
+            <a:r>
+              <a:rPr lang="en-GB" sz="2800" dirty="0" smtClean="0">
+                <a:solidFill>
+                  <a:schemeClr val="accent2"/>
+                </a:solidFill>
+              </a:rPr>
+              <a:t>)</a:t>
+            </a:r>
+            <a:r>
+              <a:rPr lang="en-US" sz="2500" b="1" dirty="0" smtClean="0">
+                <a:solidFill>
+                  <a:schemeClr val="accent2"/>
+                </a:solidFill>
+                <a:ea typeface="+mj-lt"/>
+                <a:cs typeface="+mj-lt"/>
+              </a:rPr>
+              <a:t>."</a:t>
+            </a:r>
+            <a:r>
+              <a:rPr lang="en-US" sz="2500" dirty="0">
+                <a:ea typeface="+mj-lt"/>
+                <a:cs typeface="+mj-lt"/>
+              </a:rPr>
+              <a:t/>
+            </a:r>
+            <a:br>
+              <a:rPr lang="en-US" sz="2500" dirty="0">
+                <a:ea typeface="+mj-lt"/>
+                <a:cs typeface="+mj-lt"/>
+              </a:rPr>
+            </a:br>
+            <a:r>
+              <a:rPr lang="en-US" sz="2500" dirty="0">
+                <a:ea typeface="+mj-lt"/>
+                <a:cs typeface="+mj-lt"/>
+              </a:rPr>
+              <a:t/>
+            </a:r>
+            <a:br>
+              <a:rPr lang="en-US" sz="2500" dirty="0">
+                <a:ea typeface="+mj-lt"/>
+                <a:cs typeface="+mj-lt"/>
+              </a:rPr>
+            </a:br>
+            <a:r>
+              <a:rPr lang="en-US" sz="2500" b="1" dirty="0">
+                <a:ea typeface="+mj-lt"/>
+                <a:cs typeface="+mj-lt"/>
+              </a:rPr>
+              <a:t>W</a:t>
+            </a:r>
+            <a:r>
+              <a:rPr lang="en-US" sz="2500" b="1" dirty="0" smtClean="0">
+                <a:ea typeface="+mj-lt"/>
+                <a:cs typeface="+mj-lt"/>
+              </a:rPr>
+              <a:t>ritten </a:t>
+            </a:r>
+            <a:r>
+              <a:rPr lang="en-US" sz="2500" b="1" dirty="0">
+                <a:ea typeface="+mj-lt"/>
+                <a:cs typeface="+mj-lt"/>
+              </a:rPr>
+              <a:t>B</a:t>
+            </a:r>
+            <a:r>
+              <a:rPr lang="en-US" sz="2500" b="1" dirty="0" smtClean="0">
+                <a:ea typeface="+mj-lt"/>
+                <a:cs typeface="+mj-lt"/>
+              </a:rPr>
+              <a:t>y</a:t>
+            </a:r>
+            <a:r>
+              <a:rPr lang="en-US" sz="2500" dirty="0">
+                <a:ea typeface="+mj-lt"/>
+                <a:cs typeface="+mj-lt"/>
+              </a:rPr>
+              <a:t/>
+            </a:r>
+            <a:br>
+              <a:rPr lang="en-US" sz="2500" dirty="0">
+                <a:ea typeface="+mj-lt"/>
+                <a:cs typeface="+mj-lt"/>
+              </a:rPr>
+            </a:br>
+            <a:r>
+              <a:rPr lang="en-GB" sz="2800" dirty="0"/>
+              <a:t>Hans Christian1,</a:t>
+            </a:r>
+            <a:br>
+              <a:rPr lang="en-GB" sz="2800" dirty="0"/>
+            </a:br>
+            <a:r>
+              <a:rPr lang="en-GB" sz="2800" dirty="0" err="1"/>
+              <a:t>Mikhael</a:t>
+            </a:r>
+            <a:r>
+              <a:rPr lang="en-GB" sz="2800" dirty="0"/>
+              <a:t> </a:t>
+            </a:r>
+            <a:r>
+              <a:rPr lang="en-GB" sz="2800" dirty="0" err="1"/>
+              <a:t>Pramodana</a:t>
+            </a:r>
+            <a:r>
+              <a:rPr lang="en-GB" sz="2800" dirty="0"/>
+              <a:t> </a:t>
+            </a:r>
+            <a:r>
+              <a:rPr lang="en-GB" sz="2800" dirty="0" err="1"/>
+              <a:t>Agus</a:t>
+            </a:r>
+            <a:r>
+              <a:rPr lang="en-GB" sz="2800" dirty="0"/>
+              <a:t>,</a:t>
+            </a:r>
+            <a:br>
+              <a:rPr lang="en-GB" sz="2800" dirty="0"/>
+            </a:br>
+            <a:r>
+              <a:rPr lang="en-GB" sz="2800" dirty="0" err="1"/>
+              <a:t>Derwin</a:t>
+            </a:r>
+            <a:r>
+              <a:rPr lang="en-GB" sz="2800" dirty="0"/>
+              <a:t> </a:t>
+            </a:r>
+            <a:r>
+              <a:rPr lang="en-GB" sz="2800" dirty="0" err="1"/>
+              <a:t>Suhartono</a:t>
+            </a:r>
+            <a:r>
+              <a:rPr lang="en-US" sz="2500" dirty="0">
+                <a:ea typeface="+mj-lt"/>
+                <a:cs typeface="+mj-lt"/>
+              </a:rPr>
+              <a:t/>
+            </a:r>
+            <a:br>
+              <a:rPr lang="en-US" sz="2500" dirty="0">
+                <a:ea typeface="+mj-lt"/>
+                <a:cs typeface="+mj-lt"/>
+              </a:rPr>
+            </a:br>
+            <a:r>
+              <a:rPr lang="en-US" sz="2500" dirty="0">
+                <a:ea typeface="+mj-lt"/>
+                <a:cs typeface="+mj-lt"/>
+              </a:rPr>
+              <a:t/>
+            </a:r>
+            <a:br>
+              <a:rPr lang="en-US" sz="2500" dirty="0">
+                <a:ea typeface="+mj-lt"/>
+                <a:cs typeface="+mj-lt"/>
+              </a:rPr>
+            </a:br>
+            <a:r>
+              <a:rPr lang="en-US" sz="2500" b="1" dirty="0">
+                <a:ea typeface="+mj-lt"/>
+                <a:cs typeface="+mj-lt"/>
+              </a:rPr>
+              <a:t>P</a:t>
+            </a:r>
+            <a:r>
+              <a:rPr lang="en-US" sz="2500" b="1" dirty="0" smtClean="0">
+                <a:ea typeface="+mj-lt"/>
+                <a:cs typeface="+mj-lt"/>
+              </a:rPr>
+              <a:t>ublished </a:t>
+            </a:r>
+            <a:r>
+              <a:rPr lang="en-US" sz="2500" b="1" dirty="0">
+                <a:ea typeface="+mj-lt"/>
+                <a:cs typeface="+mj-lt"/>
+              </a:rPr>
+              <a:t>B</a:t>
+            </a:r>
+            <a:r>
+              <a:rPr lang="en-US" sz="2500" b="1" dirty="0" smtClean="0">
+                <a:ea typeface="+mj-lt"/>
+                <a:cs typeface="+mj-lt"/>
+              </a:rPr>
+              <a:t>y</a:t>
+            </a:r>
+            <a:r>
+              <a:rPr lang="en-US" sz="2500" dirty="0">
+                <a:ea typeface="+mj-lt"/>
+                <a:cs typeface="+mj-lt"/>
+              </a:rPr>
+              <a:t/>
+            </a:r>
+            <a:br>
+              <a:rPr lang="en-US" sz="2500" dirty="0">
+                <a:ea typeface="+mj-lt"/>
+                <a:cs typeface="+mj-lt"/>
+              </a:rPr>
+            </a:br>
+            <a:r>
+              <a:rPr lang="en-GB" sz="2800" dirty="0" err="1">
+                <a:ea typeface="+mj-lt"/>
+                <a:cs typeface="+mj-lt"/>
+              </a:rPr>
+              <a:t>ComTech</a:t>
+            </a:r>
+            <a:r>
+              <a:rPr lang="en-GB" sz="2800" dirty="0">
+                <a:ea typeface="+mj-lt"/>
+                <a:cs typeface="+mj-lt"/>
+              </a:rPr>
+              <a:t>: Computer, Mathematics and Engineering Applications, </a:t>
+            </a:r>
+            <a:br>
+              <a:rPr lang="en-GB" sz="2800" dirty="0">
+                <a:ea typeface="+mj-lt"/>
+                <a:cs typeface="+mj-lt"/>
+              </a:rPr>
+            </a:br>
+            <a:r>
+              <a:rPr lang="en-GB" sz="2800" dirty="0">
+                <a:ea typeface="+mj-lt"/>
+                <a:cs typeface="+mj-lt"/>
+              </a:rPr>
+              <a:t>volume 7, p. 285</a:t>
+            </a:r>
+            <a:endParaRPr lang="en-GB" sz="2800" dirty="0"/>
+          </a:p>
+        </p:txBody>
+      </p:sp>
+      <p:pic>
+        <p:nvPicPr>
+          <p:cNvPr id="5" name="Picture 4"/>
+          <p:cNvPicPr>
+            <a:picLocks noChangeAspect="1"/>
+          </p:cNvPicPr>
+          <p:nvPr/>
+        </p:nvPicPr>
+        <p:blipFill>
+          <a:blip r:embed="rId2"/>
+          <a:stretch>
+            <a:fillRect/>
+          </a:stretch>
+        </p:blipFill>
+        <p:spPr>
+          <a:xfrm>
+            <a:off x="6517178" y="687798"/>
+            <a:ext cx="3541221" cy="5055325"/>
+          </a:xfrm>
+          <a:prstGeom prst="rect">
+            <a:avLst/>
+          </a:prstGeom>
+        </p:spPr>
+      </p:pic>
+    </p:spTree>
+    <p:extLst>
+      <p:ext uri="{BB962C8B-B14F-4D97-AF65-F5344CB8AC3E}">
+        <p14:creationId xmlns:p14="http://schemas.microsoft.com/office/powerpoint/2010/main" val="3649622922"/>
+      </p:ext>
+    </p:extLst>
+  </p:cSld>
+  <p:clrMapOvr>
+    <a:masterClrMapping/>
+  </p:clrMapOvr>
+  <p:timing>
+    <p:tnLst>
+      <p:par>
+        <p:cTn id="1" dur="indefinite" restart="never" nodeType="tmRoot"/>
+      </p:par>
+    </p:tnLst>
+  </p:timing>
+</p:sld>
+</file>
+
+<file path=ppt/slides/slide21.xml><?xml version="1.0" encoding="utf-8"?>
+<p:sld xmlns:a="http://schemas.openxmlformats.org/drawingml/2006/main" xmlns:r="http://schemas.openxmlformats.org/officeDocument/2006/relationships" xmlns:p="http://schemas.openxmlformats.org/presentationml/2006/main">
+  <p:cSld>
+    <p:spTree>
+      <p:nvGrpSpPr>
+        <p:cNvPr id="1" name=""/>
+        <p:cNvGrpSpPr/>
+        <p:nvPr/>
+      </p:nvGrpSpPr>
+      <p:grpSpPr>
+        <a:xfrm>
+          <a:off x="0" y="0"/>
+          <a:ext cx="0" cy="0"/>
+          <a:chOff x="0" y="0"/>
+          <a:chExt cx="0" cy="0"/>
+        </a:xfrm>
+      </p:grpSpPr>
+      <p:sp>
+        <p:nvSpPr>
+          <p:cNvPr id="2" name="Title 1">
+            <a:extLst>
+              <a:ext uri="{FF2B5EF4-FFF2-40B4-BE49-F238E27FC236}">
+                <a16:creationId xmlns:a16="http://schemas.microsoft.com/office/drawing/2014/main" id="{A104B6D2-7413-DD5B-56AE-D6FC02132B77}"/>
+              </a:ext>
+            </a:extLst>
+          </p:cNvPr>
+          <p:cNvSpPr>
+            <a:spLocks noGrp="1"/>
+          </p:cNvSpPr>
+          <p:nvPr>
+            <p:ph type="title"/>
+          </p:nvPr>
+        </p:nvSpPr>
+        <p:spPr>
+          <a:xfrm>
+            <a:off x="812369" y="881735"/>
+            <a:ext cx="4639161" cy="5096816"/>
+          </a:xfrm>
+        </p:spPr>
+        <p:txBody>
+          <a:bodyPr>
             <a:normAutofit/>
           </a:bodyPr>
           <a:lstStyle/>
@@ -10682,7 +11020,28 @@
                 <a:ea typeface="+mj-lt"/>
                 <a:cs typeface="+mj-lt"/>
               </a:rPr>
-              <a:t>written by</a:t>
+              <a:t>W</a:t>
+            </a:r>
+            <a:r>
+              <a:rPr lang="en-US" sz="2500" b="1" dirty="0" smtClean="0">
+                <a:ea typeface="+mj-lt"/>
+                <a:cs typeface="+mj-lt"/>
+              </a:rPr>
+              <a:t>ritten </a:t>
+            </a:r>
+            <a:r>
+              <a:rPr lang="en-US" sz="2500" b="1" dirty="0">
+                <a:ea typeface="+mj-lt"/>
+                <a:cs typeface="+mj-lt"/>
+              </a:rPr>
+              <a:t>B</a:t>
+            </a:r>
+            <a:r>
+              <a:rPr lang="en-US" sz="2500" b="1" dirty="0" smtClean="0">
+                <a:ea typeface="+mj-lt"/>
+                <a:cs typeface="+mj-lt"/>
+              </a:rPr>
+              <a:t>y</a:t>
             </a:r>
             <a:r>
               <a:rPr lang="en-US" sz="2500" dirty="0">
@@ -10705,7 +11064,7 @@
               <a:t>Dr. Geetha C </a:t>
             </a:r>
             <a:r>
-              <a:rPr lang="en-US" sz="2500" err="1">
+              <a:rPr lang="en-US" sz="2500" dirty="0" err="1">
                 <a:ea typeface="+mj-lt"/>
                 <a:cs typeface="+mj-lt"/>
               </a:rPr>
@@ -10732,7 +11091,7 @@
               <a:t>Varsha </a:t>
             </a:r>
             <a:r>
-              <a:rPr lang="en-US" sz="2500" err="1">
+              <a:rPr lang="en-US" sz="2500" dirty="0" err="1">
                 <a:ea typeface="+mj-lt"/>
                 <a:cs typeface="+mj-lt"/>
               </a:rPr>
@@ -10769,7 +11128,28 @@
                 <a:ea typeface="+mj-lt"/>
                 <a:cs typeface="+mj-lt"/>
               </a:rPr>
-              <a:t>published by</a:t>
+              <a:t>P</a:t>
+            </a:r>
+            <a:r>
+              <a:rPr lang="en-US" sz="2500" b="1" dirty="0" smtClean="0">
+                <a:ea typeface="+mj-lt"/>
+                <a:cs typeface="+mj-lt"/>
+              </a:rPr>
+              <a:t>ublished </a:t>
+            </a:r>
+            <a:r>
+              <a:rPr lang="en-US" sz="2500" b="1" dirty="0">
+                <a:ea typeface="+mj-lt"/>
+                <a:cs typeface="+mj-lt"/>
+              </a:rPr>
+              <a:t>B</a:t>
+            </a:r>
+            <a:r>
+              <a:rPr lang="en-US" sz="2500" b="1" dirty="0" smtClean="0">
+                <a:ea typeface="+mj-lt"/>
+                <a:cs typeface="+mj-lt"/>
+              </a:rPr>
+              <a:t>y</a:t>
             </a:r>
             <a:r>
               <a:rPr lang="en-US" sz="2500" dirty="0">
@@ -10857,7 +11237,379 @@
 </p:sld>
 </file>
 
-<file path=ppt/slides/slide21.xml><?xml version="1.0" encoding="utf-8"?>
+<file path=ppt/slides/slide22.xml><?xml version="1.0" encoding="utf-8"?>
+<p:sld xmlns:a="http://schemas.openxmlformats.org/drawingml/2006/main" xmlns:r="http://schemas.openxmlformats.org/officeDocument/2006/relationships" xmlns:p="http://schemas.openxmlformats.org/presentationml/2006/main">
+  <p:cSld>
+    <p:spTree>
+      <p:nvGrpSpPr>
+        <p:cNvPr id="1" name=""/>
+        <p:cNvGrpSpPr/>
+        <p:nvPr/>
+      </p:nvGrpSpPr>
+      <p:grpSpPr>
+        <a:xfrm>
+          <a:off x="0" y="0"/>
+          <a:ext cx="0" cy="0"/>
+          <a:chOff x="0" y="0"/>
+          <a:chExt cx="0" cy="0"/>
+        </a:xfrm>
+      </p:grpSpPr>
+      <p:sp>
+        <p:nvSpPr>
+          <p:cNvPr id="2" name="Title 1">
+            <a:extLst>
+              <a:ext uri="{FF2B5EF4-FFF2-40B4-BE49-F238E27FC236}">
+                <a16:creationId xmlns:a16="http://schemas.microsoft.com/office/drawing/2014/main" id="{A104B6D2-7413-DD5B-56AE-D6FC02132B77}"/>
+              </a:ext>
+            </a:extLst>
+          </p:cNvPr>
+          <p:cNvSpPr>
+            <a:spLocks noGrp="1"/>
+          </p:cNvSpPr>
+          <p:nvPr>
+            <p:ph type="title"/>
+          </p:nvPr>
+        </p:nvSpPr>
+        <p:spPr>
+          <a:xfrm>
+            <a:off x="693145" y="673917"/>
+            <a:ext cx="4639161" cy="5096816"/>
+          </a:xfrm>
+        </p:spPr>
+        <p:txBody>
+          <a:bodyPr>
+            <a:normAutofit/>
+          </a:bodyPr>
+          <a:lstStyle/>
+          <a:p>
+            <a:r>
+              <a:rPr lang="en-US" sz="2500" b="1" dirty="0" smtClean="0">
+                <a:solidFill>
+                  <a:schemeClr val="accent2"/>
+                </a:solidFill>
+                <a:ea typeface="+mj-lt"/>
+                <a:cs typeface="+mj-lt"/>
+              </a:rPr>
+              <a:t>"</a:t>
+            </a:r>
+            <a:r>
+              <a:rPr lang="en-GB" sz="2500" b="1" dirty="0">
+                <a:solidFill>
+                  <a:schemeClr val="accent2"/>
+                </a:solidFill>
+                <a:ea typeface="+mj-lt"/>
+                <a:cs typeface="+mj-lt"/>
+              </a:rPr>
+              <a:t>Comparative Assessment of </a:t>
+            </a:r>
+            <a:r>
+              <a:rPr lang="en-GB" sz="2500" b="1" dirty="0" smtClean="0">
+                <a:solidFill>
+                  <a:schemeClr val="accent2"/>
+                </a:solidFill>
+                <a:ea typeface="+mj-lt"/>
+                <a:cs typeface="+mj-lt"/>
+              </a:rPr>
+              <a:t>Extractive Summarization</a:t>
+            </a:r>
+            <a:r>
+              <a:rPr lang="en-GB" sz="2500" b="1" dirty="0">
+                <a:solidFill>
+                  <a:schemeClr val="accent2"/>
+                </a:solidFill>
+                <a:ea typeface="+mj-lt"/>
+                <a:cs typeface="+mj-lt"/>
+              </a:rPr>
+              <a:t>: </a:t>
+            </a:r>
+            <a:r>
+              <a:rPr lang="en-GB" sz="2500" b="1" dirty="0" err="1">
+                <a:solidFill>
+                  <a:schemeClr val="accent2"/>
+                </a:solidFill>
+                <a:ea typeface="+mj-lt"/>
+                <a:cs typeface="+mj-lt"/>
+              </a:rPr>
+              <a:t>TextRank</a:t>
+            </a:r>
+            <a:r>
+              <a:rPr lang="en-GB" sz="2500" b="1" dirty="0">
+                <a:solidFill>
+                  <a:schemeClr val="accent2"/>
+                </a:solidFill>
+                <a:ea typeface="+mj-lt"/>
+                <a:cs typeface="+mj-lt"/>
+              </a:rPr>
+              <a:t>, TF-IDF and LDA</a:t>
+            </a:r>
+            <a:r>
+              <a:rPr lang="en-US" sz="2500" b="1" dirty="0" smtClean="0">
+                <a:solidFill>
+                  <a:schemeClr val="accent2"/>
+                </a:solidFill>
+                <a:ea typeface="+mj-lt"/>
+                <a:cs typeface="+mj-lt"/>
+              </a:rPr>
+              <a:t>."</a:t>
+            </a:r>
+            <a:r>
+              <a:rPr lang="en-US" sz="2500" dirty="0">
+                <a:ea typeface="+mj-lt"/>
+                <a:cs typeface="+mj-lt"/>
+              </a:rPr>
+              <a:t/>
+            </a:r>
+            <a:br>
+              <a:rPr lang="en-US" sz="2500" dirty="0">
+                <a:ea typeface="+mj-lt"/>
+                <a:cs typeface="+mj-lt"/>
+              </a:rPr>
+            </a:br>
+            <a:r>
+              <a:rPr lang="en-US" sz="2500" dirty="0">
+                <a:ea typeface="+mj-lt"/>
+                <a:cs typeface="+mj-lt"/>
+              </a:rPr>
+              <a:t/>
+            </a:r>
+            <a:br>
+              <a:rPr lang="en-US" sz="2500" dirty="0">
+                <a:ea typeface="+mj-lt"/>
+                <a:cs typeface="+mj-lt"/>
+              </a:rPr>
+            </a:br>
+            <a:r>
+              <a:rPr lang="en-US" sz="2500" b="1" dirty="0">
+                <a:ea typeface="+mj-lt"/>
+                <a:cs typeface="+mj-lt"/>
+              </a:rPr>
+              <a:t>W</a:t>
+            </a:r>
+            <a:r>
+              <a:rPr lang="en-US" sz="2500" b="1" dirty="0" smtClean="0">
+                <a:ea typeface="+mj-lt"/>
+                <a:cs typeface="+mj-lt"/>
+              </a:rPr>
+              <a:t>ritten </a:t>
+            </a:r>
+            <a:r>
+              <a:rPr lang="en-US" sz="2500" b="1" dirty="0">
+                <a:ea typeface="+mj-lt"/>
+                <a:cs typeface="+mj-lt"/>
+              </a:rPr>
+              <a:t>B</a:t>
+            </a:r>
+            <a:r>
+              <a:rPr lang="en-US" sz="2500" b="1" dirty="0" smtClean="0">
+                <a:ea typeface="+mj-lt"/>
+                <a:cs typeface="+mj-lt"/>
+              </a:rPr>
+              <a:t>y</a:t>
+            </a:r>
+            <a:r>
+              <a:rPr lang="en-US" sz="2500" dirty="0">
+                <a:ea typeface="+mj-lt"/>
+                <a:cs typeface="+mj-lt"/>
+              </a:rPr>
+              <a:t/>
+            </a:r>
+            <a:br>
+              <a:rPr lang="en-US" sz="2500" dirty="0">
+                <a:ea typeface="+mj-lt"/>
+                <a:cs typeface="+mj-lt"/>
+              </a:rPr>
+            </a:br>
+            <a:r>
+              <a:rPr lang="en-US" sz="2500" dirty="0" err="1">
+                <a:ea typeface="+mj-lt"/>
+                <a:cs typeface="+mj-lt"/>
+              </a:rPr>
+              <a:t>Ujjwal</a:t>
+            </a:r>
+            <a:r>
+              <a:rPr lang="en-US" sz="2500" dirty="0">
+                <a:ea typeface="+mj-lt"/>
+                <a:cs typeface="+mj-lt"/>
+              </a:rPr>
+              <a:t> </a:t>
+            </a:r>
+            <a:r>
+              <a:rPr lang="en-US" sz="2500" dirty="0" smtClean="0">
+                <a:ea typeface="+mj-lt"/>
+                <a:cs typeface="+mj-lt"/>
+              </a:rPr>
+              <a:t>Rani</a:t>
+            </a:r>
+            <a:br>
+              <a:rPr lang="en-US" sz="2500" dirty="0" smtClean="0">
+                <a:ea typeface="+mj-lt"/>
+                <a:cs typeface="+mj-lt"/>
+              </a:rPr>
+            </a:br>
+            <a:r>
+              <a:rPr lang="en-US" sz="2500" dirty="0" err="1" smtClean="0">
+                <a:ea typeface="+mj-lt"/>
+                <a:cs typeface="+mj-lt"/>
+              </a:rPr>
+              <a:t>Karambir</a:t>
+            </a:r>
+            <a:r>
+              <a:rPr lang="en-US" sz="2500" dirty="0" smtClean="0">
+                <a:ea typeface="+mj-lt"/>
+                <a:cs typeface="+mj-lt"/>
+              </a:rPr>
+              <a:t> </a:t>
+            </a:r>
+            <a:r>
+              <a:rPr lang="en-US" sz="2500" dirty="0" err="1">
+                <a:ea typeface="+mj-lt"/>
+                <a:cs typeface="+mj-lt"/>
+              </a:rPr>
+              <a:t>Bidhan</a:t>
+            </a:r>
+            <a:r>
+              <a:rPr lang="en-US" sz="2500" dirty="0">
+                <a:ea typeface="+mj-lt"/>
+                <a:cs typeface="+mj-lt"/>
+              </a:rPr>
+              <a:t/>
+            </a:r>
+            <a:br>
+              <a:rPr lang="en-US" sz="2500" dirty="0">
+                <a:ea typeface="+mj-lt"/>
+                <a:cs typeface="+mj-lt"/>
+              </a:rPr>
+            </a:br>
+            <a:r>
+              <a:rPr lang="en-US" sz="2500" dirty="0">
+                <a:ea typeface="+mj-lt"/>
+                <a:cs typeface="+mj-lt"/>
+              </a:rPr>
+              <a:t/>
+            </a:r>
+            <a:br>
+              <a:rPr lang="en-US" sz="2500" dirty="0">
+                <a:ea typeface="+mj-lt"/>
+                <a:cs typeface="+mj-lt"/>
+              </a:rPr>
+            </a:br>
+            <a:r>
+              <a:rPr lang="en-US" sz="2500" b="1" dirty="0">
+                <a:ea typeface="+mj-lt"/>
+                <a:cs typeface="+mj-lt"/>
+              </a:rPr>
+              <a:t>P</a:t>
+            </a:r>
+            <a:r>
+              <a:rPr lang="en-US" sz="2500" b="1" dirty="0" smtClean="0">
+                <a:ea typeface="+mj-lt"/>
+                <a:cs typeface="+mj-lt"/>
+              </a:rPr>
+              <a:t>ublished </a:t>
+            </a:r>
+            <a:r>
+              <a:rPr lang="en-US" sz="2500" b="1" dirty="0">
+                <a:ea typeface="+mj-lt"/>
+                <a:cs typeface="+mj-lt"/>
+              </a:rPr>
+              <a:t>B</a:t>
+            </a:r>
+            <a:r>
+              <a:rPr lang="en-US" sz="2500" b="1" dirty="0" smtClean="0">
+                <a:ea typeface="+mj-lt"/>
+                <a:cs typeface="+mj-lt"/>
+              </a:rPr>
+              <a:t>y</a:t>
+            </a:r>
+            <a:r>
+              <a:rPr lang="en-US" sz="2500" dirty="0">
+                <a:ea typeface="+mj-lt"/>
+                <a:cs typeface="+mj-lt"/>
+              </a:rPr>
+              <a:t/>
+            </a:r>
+            <a:br>
+              <a:rPr lang="en-US" sz="2500" dirty="0">
+                <a:ea typeface="+mj-lt"/>
+                <a:cs typeface="+mj-lt"/>
+              </a:rPr>
+            </a:br>
+            <a:r>
+              <a:rPr lang="en-US" sz="2500" dirty="0">
+                <a:ea typeface="+mj-lt"/>
+                <a:cs typeface="+mj-lt"/>
+              </a:rPr>
+              <a:t>Journal of Scientific Research</a:t>
+            </a:r>
+            <a:r>
+              <a:rPr lang="en-US" sz="2500" dirty="0">
+                <a:ea typeface="+mj-lt"/>
+                <a:cs typeface="+mj-lt"/>
+              </a:rPr>
+              <a:t/>
+            </a:r>
+            <a:br>
+              <a:rPr lang="en-US" sz="2500" dirty="0">
+                <a:ea typeface="+mj-lt"/>
+                <a:cs typeface="+mj-lt"/>
+              </a:rPr>
+            </a:br>
+            <a:r>
+              <a:rPr lang="en-US" sz="2000" dirty="0">
+                <a:ea typeface="+mj-lt"/>
+                <a:cs typeface="+mj-lt"/>
+              </a:rPr>
+              <a:t>Volume 65, Issue 1</a:t>
+            </a:r>
+            <a:endParaRPr lang="en-US" sz="2000" dirty="0"/>
+          </a:p>
+        </p:txBody>
+      </p:sp>
+      <p:pic>
+        <p:nvPicPr>
+          <p:cNvPr id="4" name="Picture 3"/>
+          <p:cNvPicPr>
+            <a:picLocks noChangeAspect="1"/>
+          </p:cNvPicPr>
+          <p:nvPr/>
+        </p:nvPicPr>
+        <p:blipFill>
+          <a:blip r:embed="rId2"/>
+          <a:stretch>
+            <a:fillRect/>
+          </a:stretch>
+        </p:blipFill>
+        <p:spPr>
+          <a:xfrm>
+            <a:off x="5049673" y="1405722"/>
+            <a:ext cx="6151397" cy="3340845"/>
+          </a:xfrm>
+          <a:prstGeom prst="rect">
+            <a:avLst/>
+          </a:prstGeom>
+        </p:spPr>
+      </p:pic>
+    </p:spTree>
+    <p:extLst>
+      <p:ext uri="{BB962C8B-B14F-4D97-AF65-F5344CB8AC3E}">
+        <p14:creationId xmlns:p14="http://schemas.microsoft.com/office/powerpoint/2010/main" val="3887929339"/>
+      </p:ext>
+    </p:extLst>
+  </p:cSld>
+  <p:clrMapOvr>
+    <a:masterClrMapping/>
+  </p:clrMapOvr>
+  <p:timing>
+    <p:tnLst>
+      <p:par>
+        <p:cTn id="1" dur="indefinite" restart="never" nodeType="tmRoot"/>
+      </p:par>
+    </p:tnLst>
+  </p:timing>
+</p:sld>
+</file>
+
+<file path=ppt/slides/slide23.xml><?xml version="1.0" encoding="utf-8"?>
 <p:sld xmlns:a="http://schemas.openxmlformats.org/drawingml/2006/main" xmlns:r="http://schemas.openxmlformats.org/officeDocument/2006/relationships" xmlns:p="http://schemas.openxmlformats.org/presentationml/2006/main">
   <p:cSld>
     <p:spTree>
@@ -11742,7 +12494,7 @@
 </p:sld>
 </file>
 
-<file path=ppt/slides/slide22.xml><?xml version="1.0" encoding="utf-8"?>
+<file path=ppt/slides/slide24.xml><?xml version="1.0" encoding="utf-8"?>
 <p:sld xmlns:a="http://schemas.openxmlformats.org/drawingml/2006/main" xmlns:r="http://schemas.openxmlformats.org/officeDocument/2006/relationships" xmlns:p="http://schemas.openxmlformats.org/presentationml/2006/main">
   <p:cSld>
     <p:spTree>
@@ -12255,7 +13007,7 @@
 </p:sld>
 </file>
 
-<file path=ppt/slides/slide23.xml><?xml version="1.0" encoding="utf-8"?>
+<file path=ppt/slides/slide25.xml><?xml version="1.0" encoding="utf-8"?>
 <p:sld xmlns:a="http://schemas.openxmlformats.org/drawingml/2006/main" xmlns:r="http://schemas.openxmlformats.org/officeDocument/2006/relationships" xmlns:p="http://schemas.openxmlformats.org/presentationml/2006/main">
   <p:cSld>
     <p:spTree>
@@ -12918,7 +13670,7 @@
 </p:sld>
 </file>
 
-<file path=ppt/slides/slide24.xml><?xml version="1.0" encoding="utf-8"?>
+<file path=ppt/slides/slide26.xml><?xml version="1.0" encoding="utf-8"?>
 <p:sld xmlns:a="http://schemas.openxmlformats.org/drawingml/2006/main" xmlns:r="http://schemas.openxmlformats.org/officeDocument/2006/relationships" xmlns:p="http://schemas.openxmlformats.org/presentationml/2006/main">
   <p:cSld>
     <p:spTree>
@@ -14623,7 +15375,7 @@
 </p:sld>
 </file>
 
-<file path=ppt/slides/slide25.xml><?xml version="1.0" encoding="utf-8"?>
+<file path=ppt/slides/slide27.xml><?xml version="1.0" encoding="utf-8"?>
 <p:sld xmlns:a="http://schemas.openxmlformats.org/drawingml/2006/main" xmlns:r="http://schemas.openxmlformats.org/officeDocument/2006/relationships" xmlns:p="http://schemas.openxmlformats.org/presentationml/2006/main">
   <p:cSld>
     <p:spTree>
@@ -16351,7 +17103,7 @@
 </p:sld>
 </file>
 
-<file path=ppt/slides/slide26.xml><?xml version="1.0" encoding="utf-8"?>
+<file path=ppt/slides/slide28.xml><?xml version="1.0" encoding="utf-8"?>
 <p:sld xmlns:a="http://schemas.openxmlformats.org/drawingml/2006/main" xmlns:r="http://schemas.openxmlformats.org/officeDocument/2006/relationships" xmlns:p="http://schemas.openxmlformats.org/presentationml/2006/main">
   <p:cSld>
     <p:spTree>
@@ -17525,7 +18277,7 @@
 </p:sld>
 </file>
 
-<file path=ppt/slides/slide27.xml><?xml version="1.0" encoding="utf-8"?>
+<file path=ppt/slides/slide29.xml><?xml version="1.0" encoding="utf-8"?>
 <p:sld xmlns:a="http://schemas.openxmlformats.org/drawingml/2006/main" xmlns:r="http://schemas.openxmlformats.org/officeDocument/2006/relationships" xmlns:p="http://schemas.openxmlformats.org/presentationml/2006/main">
   <p:cSld>
     <p:spTree>
@@ -19362,7 +20114,201 @@
 </p:sld>
 </file>
 
-<file path=ppt/slides/slide28.xml><?xml version="1.0" encoding="utf-8"?>
+<file path=ppt/slides/slide3.xml><?xml version="1.0" encoding="utf-8"?>
+<p:sld xmlns:a="http://schemas.openxmlformats.org/drawingml/2006/main" xmlns:r="http://schemas.openxmlformats.org/officeDocument/2006/relationships" xmlns:p="http://schemas.openxmlformats.org/presentationml/2006/main">
+  <p:cSld>
+    <p:spTree>
+      <p:nvGrpSpPr>
+        <p:cNvPr id="1" name=""/>
+        <p:cNvGrpSpPr/>
+        <p:nvPr/>
+      </p:nvGrpSpPr>
+      <p:grpSpPr>
+        <a:xfrm>
+          <a:off x="0" y="0"/>
+          <a:ext cx="0" cy="0"/>
+          <a:chOff x="0" y="0"/>
+          <a:chExt cx="0" cy="0"/>
+        </a:xfrm>
+      </p:grpSpPr>
+      <p:sp>
+        <p:nvSpPr>
+          <p:cNvPr id="2" name="Title 1">
+            <a:extLst>
+              <a:ext uri="{FF2B5EF4-FFF2-40B4-BE49-F238E27FC236}">
+                <a16:creationId xmlns:a16="http://schemas.microsoft.com/office/drawing/2014/main" id="{DE7E4CA7-5494-E86F-37AE-232F03490530}"/>
+              </a:ext>
+            </a:extLst>
+          </p:cNvPr>
+          <p:cNvSpPr>
+            <a:spLocks noGrp="1"/>
+          </p:cNvSpPr>
+          <p:nvPr>
+            <p:ph type="title"/>
+          </p:nvPr>
+        </p:nvSpPr>
+        <p:spPr/>
+        <p:txBody>
+          <a:bodyPr/>
+          <a:lstStyle/>
+          <a:p>
+            <a:r>
+              <a:rPr lang="en-US" dirty="0">
+                <a:solidFill>
+                  <a:schemeClr val="accent2"/>
+                </a:solidFill>
+              </a:rPr>
+              <a:t>Contents</a:t>
+            </a:r>
+          </a:p>
+        </p:txBody>
+      </p:sp>
+      <p:sp>
+        <p:nvSpPr>
+          <p:cNvPr id="3" name="Content Placeholder 2">
+            <a:extLst>
+              <a:ext uri="{FF2B5EF4-FFF2-40B4-BE49-F238E27FC236}">
+                <a16:creationId xmlns:a16="http://schemas.microsoft.com/office/drawing/2014/main" id="{6C4DD459-C467-9DD3-FBCB-D5F5C7FE3B8D}"/>
+              </a:ext>
+            </a:extLst>
+          </p:cNvPr>
+          <p:cNvSpPr>
+            <a:spLocks noGrp="1"/>
+          </p:cNvSpPr>
+          <p:nvPr>
+            <p:ph idx="1"/>
+          </p:nvPr>
+        </p:nvSpPr>
+        <p:spPr>
+          <a:xfrm>
+            <a:off x="838200" y="1735219"/>
+            <a:ext cx="4148380" cy="3989711"/>
+          </a:xfrm>
+        </p:spPr>
+        <p:txBody>
+          <a:bodyPr vert="horz" lIns="91440" tIns="45720" rIns="91440" bIns="45720" rtlCol="0" anchor="t">
+            <a:normAutofit fontScale="92500" lnSpcReduction="10000"/>
+          </a:bodyPr>
+          <a:lstStyle/>
+          <a:p>
+            <a:r>
+              <a:rPr lang="en-US" dirty="0">
+                <a:ea typeface="+mn-lt"/>
+                <a:cs typeface="+mn-lt"/>
+              </a:rPr>
+              <a:t>Introduction</a:t>
+            </a:r>
+            <a:endParaRPr lang="en-US" dirty="0"/>
+          </a:p>
+          <a:p>
+            <a:r>
+              <a:rPr lang="en-US" dirty="0">
+                <a:ea typeface="+mn-lt"/>
+                <a:cs typeface="+mn-lt"/>
+              </a:rPr>
+              <a:t>Motivation</a:t>
+            </a:r>
+            <a:endParaRPr lang="en-US" dirty="0"/>
+          </a:p>
+          <a:p>
+            <a:r>
+              <a:rPr lang="en-US" dirty="0">
+                <a:ea typeface="+mn-lt"/>
+                <a:cs typeface="+mn-lt"/>
+              </a:rPr>
+              <a:t>Objective</a:t>
+            </a:r>
+            <a:endParaRPr lang="en-US" dirty="0"/>
+          </a:p>
+          <a:p>
+            <a:r>
+              <a:rPr lang="en-US" dirty="0">
+                <a:ea typeface="+mn-lt"/>
+                <a:cs typeface="+mn-lt"/>
+              </a:rPr>
+              <a:t>Relative work</a:t>
+            </a:r>
+            <a:endParaRPr lang="en-US" dirty="0"/>
+          </a:p>
+          <a:p>
+            <a:r>
+              <a:rPr lang="en-US" dirty="0">
+                <a:ea typeface="+mn-lt"/>
+                <a:cs typeface="+mn-lt"/>
+              </a:rPr>
+              <a:t>Methodology </a:t>
+            </a:r>
+            <a:endParaRPr lang="en-US">
+              <a:ea typeface="+mn-lt"/>
+              <a:cs typeface="+mn-lt"/>
+            </a:endParaRPr>
+          </a:p>
+          <a:p>
+            <a:r>
+              <a:rPr lang="en-US" dirty="0">
+                <a:ea typeface="+mn-lt"/>
+                <a:cs typeface="+mn-lt"/>
+              </a:rPr>
+              <a:t>Implementation </a:t>
+            </a:r>
+            <a:endParaRPr lang="en-US">
+              <a:ea typeface="+mn-lt"/>
+              <a:cs typeface="+mn-lt"/>
+            </a:endParaRPr>
+          </a:p>
+          <a:p>
+            <a:r>
+              <a:rPr lang="en-US" dirty="0">
+                <a:ea typeface="+mn-lt"/>
+                <a:cs typeface="+mn-lt"/>
+              </a:rPr>
+              <a:t>Performance evaluation</a:t>
+            </a:r>
+            <a:endParaRPr lang="en-US" dirty="0"/>
+          </a:p>
+          <a:p>
+            <a:r>
+              <a:rPr lang="en-US" dirty="0">
+                <a:ea typeface="+mn-lt"/>
+                <a:cs typeface="+mn-lt"/>
+              </a:rPr>
+              <a:t>Future work </a:t>
+            </a:r>
+            <a:endParaRPr lang="en-US"/>
+          </a:p>
+          <a:p>
+            <a:r>
+              <a:rPr lang="en-US" dirty="0">
+                <a:ea typeface="+mn-lt"/>
+                <a:cs typeface="+mn-lt"/>
+              </a:rPr>
+              <a:t>Conclusion</a:t>
+            </a:r>
+            <a:endParaRPr lang="en-US" dirty="0"/>
+          </a:p>
+        </p:txBody>
+      </p:sp>
+    </p:spTree>
+    <p:extLst>
+      <p:ext uri="{BB962C8B-B14F-4D97-AF65-F5344CB8AC3E}">
+        <p14:creationId xmlns:p14="http://schemas.microsoft.com/office/powerpoint/2010/main" val="3281723543"/>
+      </p:ext>
+    </p:extLst>
+  </p:cSld>
+  <p:clrMapOvr>
+    <a:masterClrMapping/>
+  </p:clrMapOvr>
+  <p:timing>
+    <p:tnLst>
+      <p:par>
+        <p:cTn id="1" dur="indefinite" restart="never" nodeType="tmRoot"/>
+      </p:par>
+    </p:tnLst>
+  </p:timing>
+</p:sld>
+</file>
+
+<file path=ppt/slides/slide30.xml><?xml version="1.0" encoding="utf-8"?>
 <p:sld xmlns:a="http://schemas.openxmlformats.org/drawingml/2006/main" xmlns:r="http://schemas.openxmlformats.org/officeDocument/2006/relationships" xmlns:p="http://schemas.openxmlformats.org/presentationml/2006/main">
   <p:cSld>
     <p:spTree>
@@ -20855,7 +21801,7 @@
 </p:sld>
 </file>
 
-<file path=ppt/slides/slide29.xml><?xml version="1.0" encoding="utf-8"?>
+<file path=ppt/slides/slide31.xml><?xml version="1.0" encoding="utf-8"?>
 <p:sld xmlns:a="http://schemas.openxmlformats.org/drawingml/2006/main" xmlns:r="http://schemas.openxmlformats.org/officeDocument/2006/relationships" xmlns:p="http://schemas.openxmlformats.org/presentationml/2006/main">
   <p:cSld>
     <p:spTree>
@@ -22050,201 +22996,7 @@
 </p:sld>
 </file>
 
-<file path=ppt/slides/slide3.xml><?xml version="1.0" encoding="utf-8"?>
-<p:sld xmlns:a="http://schemas.openxmlformats.org/drawingml/2006/main" xmlns:r="http://schemas.openxmlformats.org/officeDocument/2006/relationships" xmlns:p="http://schemas.openxmlformats.org/presentationml/2006/main">
-  <p:cSld>
-    <p:spTree>
-      <p:nvGrpSpPr>
-        <p:cNvPr id="1" name=""/>
-        <p:cNvGrpSpPr/>
-        <p:nvPr/>
-      </p:nvGrpSpPr>
-      <p:grpSpPr>
-        <a:xfrm>
-          <a:off x="0" y="0"/>
-          <a:ext cx="0" cy="0"/>
-          <a:chOff x="0" y="0"/>
-          <a:chExt cx="0" cy="0"/>
-        </a:xfrm>
-      </p:grpSpPr>
-      <p:sp>
-        <p:nvSpPr>
-          <p:cNvPr id="2" name="Title 1">
-            <a:extLst>
-              <a:ext uri="{FF2B5EF4-FFF2-40B4-BE49-F238E27FC236}">
-                <a16:creationId xmlns:a16="http://schemas.microsoft.com/office/drawing/2014/main" id="{DE7E4CA7-5494-E86F-37AE-232F03490530}"/>
-              </a:ext>
-            </a:extLst>
-          </p:cNvPr>
-          <p:cNvSpPr>
-            <a:spLocks noGrp="1"/>
-          </p:cNvSpPr>
-          <p:nvPr>
-            <p:ph type="title"/>
-          </p:nvPr>
-        </p:nvSpPr>
-        <p:spPr/>
-        <p:txBody>
-          <a:bodyPr/>
-          <a:lstStyle/>
-          <a:p>
-            <a:r>
-              <a:rPr lang="en-US" dirty="0">
-                <a:solidFill>
-                  <a:schemeClr val="accent2"/>
-                </a:solidFill>
-              </a:rPr>
-              <a:t>Contents</a:t>
-            </a:r>
-          </a:p>
-        </p:txBody>
-      </p:sp>
-      <p:sp>
-        <p:nvSpPr>
-          <p:cNvPr id="3" name="Content Placeholder 2">
-            <a:extLst>
-              <a:ext uri="{FF2B5EF4-FFF2-40B4-BE49-F238E27FC236}">
-                <a16:creationId xmlns:a16="http://schemas.microsoft.com/office/drawing/2014/main" id="{6C4DD459-C467-9DD3-FBCB-D5F5C7FE3B8D}"/>
-              </a:ext>
-            </a:extLst>
-          </p:cNvPr>
-          <p:cNvSpPr>
-            <a:spLocks noGrp="1"/>
-          </p:cNvSpPr>
-          <p:nvPr>
-            <p:ph idx="1"/>
-          </p:nvPr>
-        </p:nvSpPr>
-        <p:spPr>
-          <a:xfrm>
-            <a:off x="838200" y="1735219"/>
-            <a:ext cx="4148380" cy="3989711"/>
-          </a:xfrm>
-        </p:spPr>
-        <p:txBody>
-          <a:bodyPr vert="horz" lIns="91440" tIns="45720" rIns="91440" bIns="45720" rtlCol="0" anchor="t">
-            <a:normAutofit fontScale="92500" lnSpcReduction="10000"/>
-          </a:bodyPr>
-          <a:lstStyle/>
-          <a:p>
-            <a:r>
-              <a:rPr lang="en-US" dirty="0">
-                <a:ea typeface="+mn-lt"/>
-                <a:cs typeface="+mn-lt"/>
-              </a:rPr>
-              <a:t>Introduction</a:t>
-            </a:r>
-            <a:endParaRPr lang="en-US" dirty="0"/>
-          </a:p>
-          <a:p>
-            <a:r>
-              <a:rPr lang="en-US" dirty="0">
-                <a:ea typeface="+mn-lt"/>
-                <a:cs typeface="+mn-lt"/>
-              </a:rPr>
-              <a:t>Motivation</a:t>
-            </a:r>
-            <a:endParaRPr lang="en-US" dirty="0"/>
-          </a:p>
-          <a:p>
-            <a:r>
-              <a:rPr lang="en-US" dirty="0">
-                <a:ea typeface="+mn-lt"/>
-                <a:cs typeface="+mn-lt"/>
-              </a:rPr>
-              <a:t>Objective</a:t>
-            </a:r>
-            <a:endParaRPr lang="en-US" dirty="0"/>
-          </a:p>
-          <a:p>
-            <a:r>
-              <a:rPr lang="en-US" dirty="0">
-                <a:ea typeface="+mn-lt"/>
-                <a:cs typeface="+mn-lt"/>
-              </a:rPr>
-              <a:t>Relative work</a:t>
-            </a:r>
-            <a:endParaRPr lang="en-US" dirty="0"/>
-          </a:p>
-          <a:p>
-            <a:r>
-              <a:rPr lang="en-US" dirty="0">
-                <a:ea typeface="+mn-lt"/>
-                <a:cs typeface="+mn-lt"/>
-              </a:rPr>
-              <a:t>Methodology </a:t>
-            </a:r>
-            <a:endParaRPr lang="en-US">
-              <a:ea typeface="+mn-lt"/>
-              <a:cs typeface="+mn-lt"/>
-            </a:endParaRPr>
-          </a:p>
-          <a:p>
-            <a:r>
-              <a:rPr lang="en-US" dirty="0">
-                <a:ea typeface="+mn-lt"/>
-                <a:cs typeface="+mn-lt"/>
-              </a:rPr>
-              <a:t>Implementation </a:t>
-            </a:r>
-            <a:endParaRPr lang="en-US">
-              <a:ea typeface="+mn-lt"/>
-              <a:cs typeface="+mn-lt"/>
-            </a:endParaRPr>
-          </a:p>
-          <a:p>
-            <a:r>
-              <a:rPr lang="en-US" dirty="0">
-                <a:ea typeface="+mn-lt"/>
-                <a:cs typeface="+mn-lt"/>
-              </a:rPr>
-              <a:t>Performance evaluation</a:t>
-            </a:r>
-            <a:endParaRPr lang="en-US" dirty="0"/>
-          </a:p>
-          <a:p>
-            <a:r>
-              <a:rPr lang="en-US" dirty="0">
-                <a:ea typeface="+mn-lt"/>
-                <a:cs typeface="+mn-lt"/>
-              </a:rPr>
-              <a:t>Future work </a:t>
-            </a:r>
-            <a:endParaRPr lang="en-US"/>
-          </a:p>
-          <a:p>
-            <a:r>
-              <a:rPr lang="en-US" dirty="0">
-                <a:ea typeface="+mn-lt"/>
-                <a:cs typeface="+mn-lt"/>
-              </a:rPr>
-              <a:t>Conclusion</a:t>
-            </a:r>
-            <a:endParaRPr lang="en-US" dirty="0"/>
-          </a:p>
-        </p:txBody>
-      </p:sp>
-    </p:spTree>
-    <p:extLst>
-      <p:ext uri="{BB962C8B-B14F-4D97-AF65-F5344CB8AC3E}">
-        <p14:creationId xmlns:p14="http://schemas.microsoft.com/office/powerpoint/2010/main" val="3281723543"/>
-      </p:ext>
-    </p:extLst>
-  </p:cSld>
-  <p:clrMapOvr>
-    <a:masterClrMapping/>
-  </p:clrMapOvr>
-  <p:timing>
-    <p:tnLst>
-      <p:par>
-        <p:cTn id="1" dur="indefinite" restart="never" nodeType="tmRoot"/>
-      </p:par>
-    </p:tnLst>
-  </p:timing>
-</p:sld>
-</file>
-
-<file path=ppt/slides/slide30.xml><?xml version="1.0" encoding="utf-8"?>
+<file path=ppt/slides/slide32.xml><?xml version="1.0" encoding="utf-8"?>
 <p:sld xmlns:a="http://schemas.openxmlformats.org/drawingml/2006/main" xmlns:r="http://schemas.openxmlformats.org/officeDocument/2006/relationships" xmlns:p="http://schemas.openxmlformats.org/presentationml/2006/main">
   <p:cSld>
     <p:spTree>
@@ -23073,7 +23825,7 @@
 </p:sld>
 </file>
 
-<file path=ppt/slides/slide31.xml><?xml version="1.0" encoding="utf-8"?>
+<file path=ppt/slides/slide33.xml><?xml version="1.0" encoding="utf-8"?>
 <p:sld xmlns:a="http://schemas.openxmlformats.org/drawingml/2006/main" xmlns:r="http://schemas.openxmlformats.org/officeDocument/2006/relationships" xmlns:p="http://schemas.openxmlformats.org/presentationml/2006/main">
   <p:cSld>
     <p:spTree>
@@ -23921,7 +24673,7 @@
 </p:sld>
 </file>
 
-<file path=ppt/slides/slide32.xml><?xml version="1.0" encoding="utf-8"?>
+<file path=ppt/slides/slide34.xml><?xml version="1.0" encoding="utf-8"?>
 <p:sld xmlns:a="http://schemas.openxmlformats.org/drawingml/2006/main" xmlns:r="http://schemas.openxmlformats.org/officeDocument/2006/relationships" xmlns:p="http://schemas.openxmlformats.org/presentationml/2006/main">
   <p:cSld>
     <p:spTree>
@@ -24822,7 +25574,7 @@
 </p:sld>
 </file>
 
-<file path=ppt/slides/slide33.xml><?xml version="1.0" encoding="utf-8"?>
+<file path=ppt/slides/slide35.xml><?xml version="1.0" encoding="utf-8"?>
 <p:sld xmlns:a="http://schemas.openxmlformats.org/drawingml/2006/main" xmlns:r="http://schemas.openxmlformats.org/officeDocument/2006/relationships" xmlns:p="http://schemas.openxmlformats.org/presentationml/2006/main">
   <p:cSld>
     <p:spTree>
@@ -25193,7 +25945,7 @@
 </p:sld>
 </file>
 
-<file path=ppt/slides/slide34.xml><?xml version="1.0" encoding="utf-8"?>
+<file path=ppt/slides/slide36.xml><?xml version="1.0" encoding="utf-8"?>
 <p:sld xmlns:a="http://schemas.openxmlformats.org/drawingml/2006/main" xmlns:r="http://schemas.openxmlformats.org/officeDocument/2006/relationships" xmlns:p="http://schemas.openxmlformats.org/presentationml/2006/main">
   <p:cSld>
     <p:spTree>
@@ -25565,7 +26317,7 @@
 </p:sld>
 </file>
 
-<file path=ppt/slides/slide35.xml><?xml version="1.0" encoding="utf-8"?>
+<file path=ppt/slides/slide37.xml><?xml version="1.0" encoding="utf-8"?>
 <p:sld xmlns:a="http://schemas.openxmlformats.org/drawingml/2006/main" xmlns:r="http://schemas.openxmlformats.org/officeDocument/2006/relationships" xmlns:p="http://schemas.openxmlformats.org/presentationml/2006/main">
   <p:cSld>
     <p:spTree>
